--- a/Media/TestMap.pptx
+++ b/Media/TestMap.pptx
@@ -104,6 +104,11 @@
       </a:defRPr>
     </a:lvl9pPr>
   </p:defaultTextStyle>
+  <p:extLst>
+    <p:ext uri="{EFAFB233-063F-42B5-8137-9DF3F51BA10A}">
+      <p15:sldGuideLst xmlns:p15="http://schemas.microsoft.com/office/powerpoint/2012/main"/>
+    </p:ext>
+  </p:extLst>
 </p:presentation>
 </file>
 
@@ -254,7 +259,7 @@
           <a:p>
             <a:fld id="{E29B73EF-158A-45D2-AD99-E6C9CEEFC463}" type="datetimeFigureOut">
               <a:rPr lang="de-DE" smtClean="0"/>
-              <a:t>26.02.2020</a:t>
+              <a:t>02.03.2020</a:t>
             </a:fld>
             <a:endParaRPr lang="de-DE"/>
           </a:p>
@@ -308,7 +313,7 @@
           <a:p>
             <a:fld id="{EADCD19D-B249-458B-9082-E9D903715A08}" type="slidenum">
               <a:rPr lang="de-DE" smtClean="0"/>
-              <a:t>‹Nr.›</a:t>
+              <a:t>‹#›</a:t>
             </a:fld>
             <a:endParaRPr lang="de-DE"/>
           </a:p>
@@ -452,7 +457,7 @@
           <a:p>
             <a:fld id="{E29B73EF-158A-45D2-AD99-E6C9CEEFC463}" type="datetimeFigureOut">
               <a:rPr lang="de-DE" smtClean="0"/>
-              <a:t>26.02.2020</a:t>
+              <a:t>02.03.2020</a:t>
             </a:fld>
             <a:endParaRPr lang="de-DE"/>
           </a:p>
@@ -506,7 +511,7 @@
           <a:p>
             <a:fld id="{EADCD19D-B249-458B-9082-E9D903715A08}" type="slidenum">
               <a:rPr lang="de-DE" smtClean="0"/>
-              <a:t>‹Nr.›</a:t>
+              <a:t>‹#›</a:t>
             </a:fld>
             <a:endParaRPr lang="de-DE"/>
           </a:p>
@@ -660,7 +665,7 @@
           <a:p>
             <a:fld id="{E29B73EF-158A-45D2-AD99-E6C9CEEFC463}" type="datetimeFigureOut">
               <a:rPr lang="de-DE" smtClean="0"/>
-              <a:t>26.02.2020</a:t>
+              <a:t>02.03.2020</a:t>
             </a:fld>
             <a:endParaRPr lang="de-DE"/>
           </a:p>
@@ -714,7 +719,7 @@
           <a:p>
             <a:fld id="{EADCD19D-B249-458B-9082-E9D903715A08}" type="slidenum">
               <a:rPr lang="de-DE" smtClean="0"/>
-              <a:t>‹Nr.›</a:t>
+              <a:t>‹#›</a:t>
             </a:fld>
             <a:endParaRPr lang="de-DE"/>
           </a:p>
@@ -858,7 +863,7 @@
           <a:p>
             <a:fld id="{E29B73EF-158A-45D2-AD99-E6C9CEEFC463}" type="datetimeFigureOut">
               <a:rPr lang="de-DE" smtClean="0"/>
-              <a:t>26.02.2020</a:t>
+              <a:t>02.03.2020</a:t>
             </a:fld>
             <a:endParaRPr lang="de-DE"/>
           </a:p>
@@ -912,7 +917,7 @@
           <a:p>
             <a:fld id="{EADCD19D-B249-458B-9082-E9D903715A08}" type="slidenum">
               <a:rPr lang="de-DE" smtClean="0"/>
-              <a:t>‹Nr.›</a:t>
+              <a:t>‹#›</a:t>
             </a:fld>
             <a:endParaRPr lang="de-DE"/>
           </a:p>
@@ -1133,7 +1138,7 @@
           <a:p>
             <a:fld id="{E29B73EF-158A-45D2-AD99-E6C9CEEFC463}" type="datetimeFigureOut">
               <a:rPr lang="de-DE" smtClean="0"/>
-              <a:t>26.02.2020</a:t>
+              <a:t>02.03.2020</a:t>
             </a:fld>
             <a:endParaRPr lang="de-DE"/>
           </a:p>
@@ -1187,7 +1192,7 @@
           <a:p>
             <a:fld id="{EADCD19D-B249-458B-9082-E9D903715A08}" type="slidenum">
               <a:rPr lang="de-DE" smtClean="0"/>
-              <a:t>‹Nr.›</a:t>
+              <a:t>‹#›</a:t>
             </a:fld>
             <a:endParaRPr lang="de-DE"/>
           </a:p>
@@ -1398,7 +1403,7 @@
           <a:p>
             <a:fld id="{E29B73EF-158A-45D2-AD99-E6C9CEEFC463}" type="datetimeFigureOut">
               <a:rPr lang="de-DE" smtClean="0"/>
-              <a:t>26.02.2020</a:t>
+              <a:t>02.03.2020</a:t>
             </a:fld>
             <a:endParaRPr lang="de-DE"/>
           </a:p>
@@ -1452,7 +1457,7 @@
           <a:p>
             <a:fld id="{EADCD19D-B249-458B-9082-E9D903715A08}" type="slidenum">
               <a:rPr lang="de-DE" smtClean="0"/>
-              <a:t>‹Nr.›</a:t>
+              <a:t>‹#›</a:t>
             </a:fld>
             <a:endParaRPr lang="de-DE"/>
           </a:p>
@@ -1810,7 +1815,7 @@
           <a:p>
             <a:fld id="{E29B73EF-158A-45D2-AD99-E6C9CEEFC463}" type="datetimeFigureOut">
               <a:rPr lang="de-DE" smtClean="0"/>
-              <a:t>26.02.2020</a:t>
+              <a:t>02.03.2020</a:t>
             </a:fld>
             <a:endParaRPr lang="de-DE"/>
           </a:p>
@@ -1864,7 +1869,7 @@
           <a:p>
             <a:fld id="{EADCD19D-B249-458B-9082-E9D903715A08}" type="slidenum">
               <a:rPr lang="de-DE" smtClean="0"/>
-              <a:t>‹Nr.›</a:t>
+              <a:t>‹#›</a:t>
             </a:fld>
             <a:endParaRPr lang="de-DE"/>
           </a:p>
@@ -1951,7 +1956,7 @@
           <a:p>
             <a:fld id="{E29B73EF-158A-45D2-AD99-E6C9CEEFC463}" type="datetimeFigureOut">
               <a:rPr lang="de-DE" smtClean="0"/>
-              <a:t>26.02.2020</a:t>
+              <a:t>02.03.2020</a:t>
             </a:fld>
             <a:endParaRPr lang="de-DE"/>
           </a:p>
@@ -2005,7 +2010,7 @@
           <a:p>
             <a:fld id="{EADCD19D-B249-458B-9082-E9D903715A08}" type="slidenum">
               <a:rPr lang="de-DE" smtClean="0"/>
-              <a:t>‹Nr.›</a:t>
+              <a:t>‹#›</a:t>
             </a:fld>
             <a:endParaRPr lang="de-DE"/>
           </a:p>
@@ -2064,7 +2069,7 @@
           <a:p>
             <a:fld id="{E29B73EF-158A-45D2-AD99-E6C9CEEFC463}" type="datetimeFigureOut">
               <a:rPr lang="de-DE" smtClean="0"/>
-              <a:t>26.02.2020</a:t>
+              <a:t>02.03.2020</a:t>
             </a:fld>
             <a:endParaRPr lang="de-DE"/>
           </a:p>
@@ -2118,7 +2123,7 @@
           <a:p>
             <a:fld id="{EADCD19D-B249-458B-9082-E9D903715A08}" type="slidenum">
               <a:rPr lang="de-DE" smtClean="0"/>
-              <a:t>‹Nr.›</a:t>
+              <a:t>‹#›</a:t>
             </a:fld>
             <a:endParaRPr lang="de-DE"/>
           </a:p>
@@ -2375,7 +2380,7 @@
           <a:p>
             <a:fld id="{E29B73EF-158A-45D2-AD99-E6C9CEEFC463}" type="datetimeFigureOut">
               <a:rPr lang="de-DE" smtClean="0"/>
-              <a:t>26.02.2020</a:t>
+              <a:t>02.03.2020</a:t>
             </a:fld>
             <a:endParaRPr lang="de-DE"/>
           </a:p>
@@ -2429,7 +2434,7 @@
           <a:p>
             <a:fld id="{EADCD19D-B249-458B-9082-E9D903715A08}" type="slidenum">
               <a:rPr lang="de-DE" smtClean="0"/>
-              <a:t>‹Nr.›</a:t>
+              <a:t>‹#›</a:t>
             </a:fld>
             <a:endParaRPr lang="de-DE"/>
           </a:p>
@@ -2663,7 +2668,7 @@
           <a:p>
             <a:fld id="{E29B73EF-158A-45D2-AD99-E6C9CEEFC463}" type="datetimeFigureOut">
               <a:rPr lang="de-DE" smtClean="0"/>
-              <a:t>26.02.2020</a:t>
+              <a:t>02.03.2020</a:t>
             </a:fld>
             <a:endParaRPr lang="de-DE"/>
           </a:p>
@@ -2717,7 +2722,7 @@
           <a:p>
             <a:fld id="{EADCD19D-B249-458B-9082-E9D903715A08}" type="slidenum">
               <a:rPr lang="de-DE" smtClean="0"/>
-              <a:t>‹Nr.›</a:t>
+              <a:t>‹#›</a:t>
             </a:fld>
             <a:endParaRPr lang="de-DE"/>
           </a:p>
@@ -2904,7 +2909,7 @@
           <a:p>
             <a:fld id="{E29B73EF-158A-45D2-AD99-E6C9CEEFC463}" type="datetimeFigureOut">
               <a:rPr lang="de-DE" smtClean="0"/>
-              <a:t>26.02.2020</a:t>
+              <a:t>02.03.2020</a:t>
             </a:fld>
             <a:endParaRPr lang="de-DE"/>
           </a:p>
@@ -2994,7 +2999,7 @@
           <a:p>
             <a:fld id="{EADCD19D-B249-458B-9082-E9D903715A08}" type="slidenum">
               <a:rPr lang="de-DE" smtClean="0"/>
-              <a:t>‹Nr.›</a:t>
+              <a:t>‹#›</a:t>
             </a:fld>
             <a:endParaRPr lang="de-DE"/>
           </a:p>

--- a/Media/TestMap.pptx
+++ b/Media/TestMap.pptx
@@ -259,7 +259,7 @@
           <a:p>
             <a:fld id="{E29B73EF-158A-45D2-AD99-E6C9CEEFC463}" type="datetimeFigureOut">
               <a:rPr lang="de-DE" smtClean="0"/>
-              <a:t>02.03.2020</a:t>
+              <a:t>08.03.2020</a:t>
             </a:fld>
             <a:endParaRPr lang="de-DE"/>
           </a:p>
@@ -457,7 +457,7 @@
           <a:p>
             <a:fld id="{E29B73EF-158A-45D2-AD99-E6C9CEEFC463}" type="datetimeFigureOut">
               <a:rPr lang="de-DE" smtClean="0"/>
-              <a:t>02.03.2020</a:t>
+              <a:t>08.03.2020</a:t>
             </a:fld>
             <a:endParaRPr lang="de-DE"/>
           </a:p>
@@ -665,7 +665,7 @@
           <a:p>
             <a:fld id="{E29B73EF-158A-45D2-AD99-E6C9CEEFC463}" type="datetimeFigureOut">
               <a:rPr lang="de-DE" smtClean="0"/>
-              <a:t>02.03.2020</a:t>
+              <a:t>08.03.2020</a:t>
             </a:fld>
             <a:endParaRPr lang="de-DE"/>
           </a:p>
@@ -863,7 +863,7 @@
           <a:p>
             <a:fld id="{E29B73EF-158A-45D2-AD99-E6C9CEEFC463}" type="datetimeFigureOut">
               <a:rPr lang="de-DE" smtClean="0"/>
-              <a:t>02.03.2020</a:t>
+              <a:t>08.03.2020</a:t>
             </a:fld>
             <a:endParaRPr lang="de-DE"/>
           </a:p>
@@ -1138,7 +1138,7 @@
           <a:p>
             <a:fld id="{E29B73EF-158A-45D2-AD99-E6C9CEEFC463}" type="datetimeFigureOut">
               <a:rPr lang="de-DE" smtClean="0"/>
-              <a:t>02.03.2020</a:t>
+              <a:t>08.03.2020</a:t>
             </a:fld>
             <a:endParaRPr lang="de-DE"/>
           </a:p>
@@ -1403,7 +1403,7 @@
           <a:p>
             <a:fld id="{E29B73EF-158A-45D2-AD99-E6C9CEEFC463}" type="datetimeFigureOut">
               <a:rPr lang="de-DE" smtClean="0"/>
-              <a:t>02.03.2020</a:t>
+              <a:t>08.03.2020</a:t>
             </a:fld>
             <a:endParaRPr lang="de-DE"/>
           </a:p>
@@ -1815,7 +1815,7 @@
           <a:p>
             <a:fld id="{E29B73EF-158A-45D2-AD99-E6C9CEEFC463}" type="datetimeFigureOut">
               <a:rPr lang="de-DE" smtClean="0"/>
-              <a:t>02.03.2020</a:t>
+              <a:t>08.03.2020</a:t>
             </a:fld>
             <a:endParaRPr lang="de-DE"/>
           </a:p>
@@ -1956,7 +1956,7 @@
           <a:p>
             <a:fld id="{E29B73EF-158A-45D2-AD99-E6C9CEEFC463}" type="datetimeFigureOut">
               <a:rPr lang="de-DE" smtClean="0"/>
-              <a:t>02.03.2020</a:t>
+              <a:t>08.03.2020</a:t>
             </a:fld>
             <a:endParaRPr lang="de-DE"/>
           </a:p>
@@ -2069,7 +2069,7 @@
           <a:p>
             <a:fld id="{E29B73EF-158A-45D2-AD99-E6C9CEEFC463}" type="datetimeFigureOut">
               <a:rPr lang="de-DE" smtClean="0"/>
-              <a:t>02.03.2020</a:t>
+              <a:t>08.03.2020</a:t>
             </a:fld>
             <a:endParaRPr lang="de-DE"/>
           </a:p>
@@ -2380,7 +2380,7 @@
           <a:p>
             <a:fld id="{E29B73EF-158A-45D2-AD99-E6C9CEEFC463}" type="datetimeFigureOut">
               <a:rPr lang="de-DE" smtClean="0"/>
-              <a:t>02.03.2020</a:t>
+              <a:t>08.03.2020</a:t>
             </a:fld>
             <a:endParaRPr lang="de-DE"/>
           </a:p>
@@ -2668,7 +2668,7 @@
           <a:p>
             <a:fld id="{E29B73EF-158A-45D2-AD99-E6C9CEEFC463}" type="datetimeFigureOut">
               <a:rPr lang="de-DE" smtClean="0"/>
-              <a:t>02.03.2020</a:t>
+              <a:t>08.03.2020</a:t>
             </a:fld>
             <a:endParaRPr lang="de-DE"/>
           </a:p>
@@ -2909,7 +2909,7 @@
           <a:p>
             <a:fld id="{E29B73EF-158A-45D2-AD99-E6C9CEEFC463}" type="datetimeFigureOut">
               <a:rPr lang="de-DE" smtClean="0"/>
-              <a:t>02.03.2020</a:t>
+              <a:t>08.03.2020</a:t>
             </a:fld>
             <a:endParaRPr lang="de-DE"/>
           </a:p>

--- a/Media/TestMap.pptx
+++ b/Media/TestMap.pptx
@@ -259,7 +259,7 @@
           <a:p>
             <a:fld id="{E29B73EF-158A-45D2-AD99-E6C9CEEFC463}" type="datetimeFigureOut">
               <a:rPr lang="de-DE" smtClean="0"/>
-              <a:t>08.03.2020</a:t>
+              <a:t>09.03.2020</a:t>
             </a:fld>
             <a:endParaRPr lang="de-DE"/>
           </a:p>
@@ -313,7 +313,7 @@
           <a:p>
             <a:fld id="{EADCD19D-B249-458B-9082-E9D903715A08}" type="slidenum">
               <a:rPr lang="de-DE" smtClean="0"/>
-              <a:t>‹#›</a:t>
+              <a:t>‹Nr.›</a:t>
             </a:fld>
             <a:endParaRPr lang="de-DE"/>
           </a:p>
@@ -457,7 +457,7 @@
           <a:p>
             <a:fld id="{E29B73EF-158A-45D2-AD99-E6C9CEEFC463}" type="datetimeFigureOut">
               <a:rPr lang="de-DE" smtClean="0"/>
-              <a:t>08.03.2020</a:t>
+              <a:t>09.03.2020</a:t>
             </a:fld>
             <a:endParaRPr lang="de-DE"/>
           </a:p>
@@ -511,7 +511,7 @@
           <a:p>
             <a:fld id="{EADCD19D-B249-458B-9082-E9D903715A08}" type="slidenum">
               <a:rPr lang="de-DE" smtClean="0"/>
-              <a:t>‹#›</a:t>
+              <a:t>‹Nr.›</a:t>
             </a:fld>
             <a:endParaRPr lang="de-DE"/>
           </a:p>
@@ -665,7 +665,7 @@
           <a:p>
             <a:fld id="{E29B73EF-158A-45D2-AD99-E6C9CEEFC463}" type="datetimeFigureOut">
               <a:rPr lang="de-DE" smtClean="0"/>
-              <a:t>08.03.2020</a:t>
+              <a:t>09.03.2020</a:t>
             </a:fld>
             <a:endParaRPr lang="de-DE"/>
           </a:p>
@@ -719,7 +719,7 @@
           <a:p>
             <a:fld id="{EADCD19D-B249-458B-9082-E9D903715A08}" type="slidenum">
               <a:rPr lang="de-DE" smtClean="0"/>
-              <a:t>‹#›</a:t>
+              <a:t>‹Nr.›</a:t>
             </a:fld>
             <a:endParaRPr lang="de-DE"/>
           </a:p>
@@ -863,7 +863,7 @@
           <a:p>
             <a:fld id="{E29B73EF-158A-45D2-AD99-E6C9CEEFC463}" type="datetimeFigureOut">
               <a:rPr lang="de-DE" smtClean="0"/>
-              <a:t>08.03.2020</a:t>
+              <a:t>09.03.2020</a:t>
             </a:fld>
             <a:endParaRPr lang="de-DE"/>
           </a:p>
@@ -917,7 +917,7 @@
           <a:p>
             <a:fld id="{EADCD19D-B249-458B-9082-E9D903715A08}" type="slidenum">
               <a:rPr lang="de-DE" smtClean="0"/>
-              <a:t>‹#›</a:t>
+              <a:t>‹Nr.›</a:t>
             </a:fld>
             <a:endParaRPr lang="de-DE"/>
           </a:p>
@@ -1138,7 +1138,7 @@
           <a:p>
             <a:fld id="{E29B73EF-158A-45D2-AD99-E6C9CEEFC463}" type="datetimeFigureOut">
               <a:rPr lang="de-DE" smtClean="0"/>
-              <a:t>08.03.2020</a:t>
+              <a:t>09.03.2020</a:t>
             </a:fld>
             <a:endParaRPr lang="de-DE"/>
           </a:p>
@@ -1192,7 +1192,7 @@
           <a:p>
             <a:fld id="{EADCD19D-B249-458B-9082-E9D903715A08}" type="slidenum">
               <a:rPr lang="de-DE" smtClean="0"/>
-              <a:t>‹#›</a:t>
+              <a:t>‹Nr.›</a:t>
             </a:fld>
             <a:endParaRPr lang="de-DE"/>
           </a:p>
@@ -1403,7 +1403,7 @@
           <a:p>
             <a:fld id="{E29B73EF-158A-45D2-AD99-E6C9CEEFC463}" type="datetimeFigureOut">
               <a:rPr lang="de-DE" smtClean="0"/>
-              <a:t>08.03.2020</a:t>
+              <a:t>09.03.2020</a:t>
             </a:fld>
             <a:endParaRPr lang="de-DE"/>
           </a:p>
@@ -1457,7 +1457,7 @@
           <a:p>
             <a:fld id="{EADCD19D-B249-458B-9082-E9D903715A08}" type="slidenum">
               <a:rPr lang="de-DE" smtClean="0"/>
-              <a:t>‹#›</a:t>
+              <a:t>‹Nr.›</a:t>
             </a:fld>
             <a:endParaRPr lang="de-DE"/>
           </a:p>
@@ -1815,7 +1815,7 @@
           <a:p>
             <a:fld id="{E29B73EF-158A-45D2-AD99-E6C9CEEFC463}" type="datetimeFigureOut">
               <a:rPr lang="de-DE" smtClean="0"/>
-              <a:t>08.03.2020</a:t>
+              <a:t>09.03.2020</a:t>
             </a:fld>
             <a:endParaRPr lang="de-DE"/>
           </a:p>
@@ -1869,7 +1869,7 @@
           <a:p>
             <a:fld id="{EADCD19D-B249-458B-9082-E9D903715A08}" type="slidenum">
               <a:rPr lang="de-DE" smtClean="0"/>
-              <a:t>‹#›</a:t>
+              <a:t>‹Nr.›</a:t>
             </a:fld>
             <a:endParaRPr lang="de-DE"/>
           </a:p>
@@ -1956,7 +1956,7 @@
           <a:p>
             <a:fld id="{E29B73EF-158A-45D2-AD99-E6C9CEEFC463}" type="datetimeFigureOut">
               <a:rPr lang="de-DE" smtClean="0"/>
-              <a:t>08.03.2020</a:t>
+              <a:t>09.03.2020</a:t>
             </a:fld>
             <a:endParaRPr lang="de-DE"/>
           </a:p>
@@ -2010,7 +2010,7 @@
           <a:p>
             <a:fld id="{EADCD19D-B249-458B-9082-E9D903715A08}" type="slidenum">
               <a:rPr lang="de-DE" smtClean="0"/>
-              <a:t>‹#›</a:t>
+              <a:t>‹Nr.›</a:t>
             </a:fld>
             <a:endParaRPr lang="de-DE"/>
           </a:p>
@@ -2069,7 +2069,7 @@
           <a:p>
             <a:fld id="{E29B73EF-158A-45D2-AD99-E6C9CEEFC463}" type="datetimeFigureOut">
               <a:rPr lang="de-DE" smtClean="0"/>
-              <a:t>08.03.2020</a:t>
+              <a:t>09.03.2020</a:t>
             </a:fld>
             <a:endParaRPr lang="de-DE"/>
           </a:p>
@@ -2123,7 +2123,7 @@
           <a:p>
             <a:fld id="{EADCD19D-B249-458B-9082-E9D903715A08}" type="slidenum">
               <a:rPr lang="de-DE" smtClean="0"/>
-              <a:t>‹#›</a:t>
+              <a:t>‹Nr.›</a:t>
             </a:fld>
             <a:endParaRPr lang="de-DE"/>
           </a:p>
@@ -2380,7 +2380,7 @@
           <a:p>
             <a:fld id="{E29B73EF-158A-45D2-AD99-E6C9CEEFC463}" type="datetimeFigureOut">
               <a:rPr lang="de-DE" smtClean="0"/>
-              <a:t>08.03.2020</a:t>
+              <a:t>09.03.2020</a:t>
             </a:fld>
             <a:endParaRPr lang="de-DE"/>
           </a:p>
@@ -2434,7 +2434,7 @@
           <a:p>
             <a:fld id="{EADCD19D-B249-458B-9082-E9D903715A08}" type="slidenum">
               <a:rPr lang="de-DE" smtClean="0"/>
-              <a:t>‹#›</a:t>
+              <a:t>‹Nr.›</a:t>
             </a:fld>
             <a:endParaRPr lang="de-DE"/>
           </a:p>
@@ -2668,7 +2668,7 @@
           <a:p>
             <a:fld id="{E29B73EF-158A-45D2-AD99-E6C9CEEFC463}" type="datetimeFigureOut">
               <a:rPr lang="de-DE" smtClean="0"/>
-              <a:t>08.03.2020</a:t>
+              <a:t>09.03.2020</a:t>
             </a:fld>
             <a:endParaRPr lang="de-DE"/>
           </a:p>
@@ -2722,7 +2722,7 @@
           <a:p>
             <a:fld id="{EADCD19D-B249-458B-9082-E9D903715A08}" type="slidenum">
               <a:rPr lang="de-DE" smtClean="0"/>
-              <a:t>‹#›</a:t>
+              <a:t>‹Nr.›</a:t>
             </a:fld>
             <a:endParaRPr lang="de-DE"/>
           </a:p>
@@ -2909,7 +2909,7 @@
           <a:p>
             <a:fld id="{E29B73EF-158A-45D2-AD99-E6C9CEEFC463}" type="datetimeFigureOut">
               <a:rPr lang="de-DE" smtClean="0"/>
-              <a:t>08.03.2020</a:t>
+              <a:t>09.03.2020</a:t>
             </a:fld>
             <a:endParaRPr lang="de-DE"/>
           </a:p>
@@ -2999,7 +2999,7 @@
           <a:p>
             <a:fld id="{EADCD19D-B249-458B-9082-E9D903715A08}" type="slidenum">
               <a:rPr lang="de-DE" smtClean="0"/>
-              <a:t>‹#›</a:t>
+              <a:t>‹Nr.›</a:t>
             </a:fld>
             <a:endParaRPr lang="de-DE"/>
           </a:p>
@@ -4904,6 +4904,194 @@
           </a:p>
         </p:txBody>
       </p:sp>
+      <p:sp>
+        <p:nvSpPr>
+          <p:cNvPr id="36" name="Rechteck 35">
+            <a:extLst>
+              <a:ext uri="{FF2B5EF4-FFF2-40B4-BE49-F238E27FC236}">
+                <a16:creationId xmlns:a16="http://schemas.microsoft.com/office/drawing/2014/main" id="{31CFD349-A621-4926-AF88-FFB8B9F9D222}"/>
+              </a:ext>
+            </a:extLst>
+          </p:cNvPr>
+          <p:cNvSpPr/>
+          <p:nvPr/>
+        </p:nvSpPr>
+        <p:spPr>
+          <a:xfrm>
+            <a:off x="10058399" y="791363"/>
+            <a:ext cx="1090246" cy="523631"/>
+          </a:xfrm>
+          <a:prstGeom prst="rect">
+            <a:avLst/>
+          </a:prstGeom>
+          <a:noFill/>
+          <a:ln w="38100">
+            <a:solidFill>
+              <a:schemeClr val="tx1"/>
+            </a:solidFill>
+          </a:ln>
+        </p:spPr>
+        <p:style>
+          <a:lnRef idx="2">
+            <a:schemeClr val="accent1">
+              <a:shade val="50000"/>
+            </a:schemeClr>
+          </a:lnRef>
+          <a:fillRef idx="1">
+            <a:schemeClr val="accent1"/>
+          </a:fillRef>
+          <a:effectRef idx="0">
+            <a:schemeClr val="accent1"/>
+          </a:effectRef>
+          <a:fontRef idx="minor">
+            <a:schemeClr val="lt1"/>
+          </a:fontRef>
+        </p:style>
+        <p:txBody>
+          <a:bodyPr rtlCol="0" anchor="ctr"/>
+          <a:lstStyle/>
+          <a:p>
+            <a:pPr algn="ctr"/>
+            <a:r>
+              <a:rPr lang="de-DE" b="1" dirty="0">
+                <a:solidFill>
+                  <a:schemeClr val="tx1"/>
+                </a:solidFill>
+              </a:rPr>
+              <a:t>Schwerin</a:t>
+            </a:r>
+          </a:p>
+        </p:txBody>
+      </p:sp>
+      <p:cxnSp>
+        <p:nvCxnSpPr>
+          <p:cNvPr id="37" name="Gerader Verbinder 36">
+            <a:extLst>
+              <a:ext uri="{FF2B5EF4-FFF2-40B4-BE49-F238E27FC236}">
+                <a16:creationId xmlns:a16="http://schemas.microsoft.com/office/drawing/2014/main" id="{1CAE3BD5-6297-4AE8-9B79-28709C773AA5}"/>
+              </a:ext>
+            </a:extLst>
+          </p:cNvPr>
+          <p:cNvCxnSpPr>
+            <a:cxnSpLocks/>
+            <a:stCxn id="25" idx="3"/>
+            <a:endCxn id="36" idx="1"/>
+          </p:cNvCxnSpPr>
+          <p:nvPr/>
+        </p:nvCxnSpPr>
+        <p:spPr>
+          <a:xfrm flipV="1">
+            <a:off x="9461499" y="1053179"/>
+            <a:ext cx="596900" cy="982730"/>
+          </a:xfrm>
+          <a:prstGeom prst="line">
+            <a:avLst/>
+          </a:prstGeom>
+          <a:ln w="38100">
+            <a:solidFill>
+              <a:schemeClr val="tx1"/>
+            </a:solidFill>
+          </a:ln>
+        </p:spPr>
+        <p:style>
+          <a:lnRef idx="1">
+            <a:schemeClr val="accent1"/>
+          </a:lnRef>
+          <a:fillRef idx="0">
+            <a:schemeClr val="accent1"/>
+          </a:fillRef>
+          <a:effectRef idx="0">
+            <a:schemeClr val="accent1"/>
+          </a:effectRef>
+          <a:fontRef idx="minor">
+            <a:schemeClr val="tx1"/>
+          </a:fontRef>
+        </p:style>
+      </p:cxnSp>
+      <p:sp>
+        <p:nvSpPr>
+          <p:cNvPr id="42" name="Textfeld 41">
+            <a:extLst>
+              <a:ext uri="{FF2B5EF4-FFF2-40B4-BE49-F238E27FC236}">
+                <a16:creationId xmlns:a16="http://schemas.microsoft.com/office/drawing/2014/main" id="{332DC2D6-9676-4F42-B37D-8BE4BB26A786}"/>
+              </a:ext>
+            </a:extLst>
+          </p:cNvPr>
+          <p:cNvSpPr txBox="1"/>
+          <p:nvPr/>
+        </p:nvSpPr>
+        <p:spPr>
+          <a:xfrm>
+            <a:off x="9637449" y="1634788"/>
+            <a:ext cx="314362" cy="369332"/>
+          </a:xfrm>
+          <a:prstGeom prst="rect">
+            <a:avLst/>
+          </a:prstGeom>
+          <a:noFill/>
+          <a:ln>
+            <a:noFill/>
+          </a:ln>
+        </p:spPr>
+        <p:txBody>
+          <a:bodyPr wrap="square" rtlCol="0">
+            <a:spAutoFit/>
+          </a:bodyPr>
+          <a:lstStyle/>
+          <a:p>
+            <a:r>
+              <a:rPr lang="de-DE" dirty="0">
+                <a:solidFill>
+                  <a:srgbClr val="FF0000"/>
+                </a:solidFill>
+              </a:rPr>
+              <a:t>1</a:t>
+            </a:r>
+          </a:p>
+        </p:txBody>
+      </p:sp>
+      <p:sp>
+        <p:nvSpPr>
+          <p:cNvPr id="43" name="Textfeld 42">
+            <a:extLst>
+              <a:ext uri="{FF2B5EF4-FFF2-40B4-BE49-F238E27FC236}">
+                <a16:creationId xmlns:a16="http://schemas.microsoft.com/office/drawing/2014/main" id="{FEB336C4-A650-4F31-A39F-A9FD56512A50}"/>
+              </a:ext>
+            </a:extLst>
+          </p:cNvPr>
+          <p:cNvSpPr txBox="1"/>
+          <p:nvPr/>
+        </p:nvSpPr>
+        <p:spPr>
+          <a:xfrm>
+            <a:off x="9427886" y="1372972"/>
+            <a:ext cx="314362" cy="369332"/>
+          </a:xfrm>
+          <a:prstGeom prst="rect">
+            <a:avLst/>
+          </a:prstGeom>
+          <a:noFill/>
+          <a:ln>
+            <a:noFill/>
+          </a:ln>
+        </p:spPr>
+        <p:txBody>
+          <a:bodyPr wrap="square" rtlCol="0">
+            <a:spAutoFit/>
+          </a:bodyPr>
+          <a:lstStyle/>
+          <a:p>
+            <a:r>
+              <a:rPr lang="de-DE" dirty="0">
+                <a:solidFill>
+                  <a:schemeClr val="accent1"/>
+                </a:solidFill>
+              </a:rPr>
+              <a:t>1</a:t>
+            </a:r>
+          </a:p>
+        </p:txBody>
+      </p:sp>
     </p:spTree>
     <p:extLst>
       <p:ext uri="{BB962C8B-B14F-4D97-AF65-F5344CB8AC3E}">
